--- a/2026년은 ai와 함께/내가 만든 교재/ppt버젼/2_3_문자열.pptx
+++ b/2026년은 ai와 함께/내가 만든 교재/ppt버젼/2_3_문자열.pptx
@@ -5,15 +5,15 @@
     <p:sldMasterId id="2147483648" r:id="rId1"/>
   </p:sldMasterIdLst>
   <p:sldIdLst>
-    <p:sldId id="256" r:id="rId7"/>
-    <p:sldId id="257" r:id="rId8"/>
-    <p:sldId id="258" r:id="rId9"/>
-    <p:sldId id="259" r:id="rId10"/>
-    <p:sldId id="260" r:id="rId11"/>
-    <p:sldId id="261" r:id="rId12"/>
-    <p:sldId id="262" r:id="rId13"/>
-    <p:sldId id="263" r:id="rId14"/>
-    <p:sldId id="264" r:id="rId15"/>
+    <p:sldId id="256" r:id="rId2"/>
+    <p:sldId id="257" r:id="rId3"/>
+    <p:sldId id="258" r:id="rId4"/>
+    <p:sldId id="259" r:id="rId5"/>
+    <p:sldId id="260" r:id="rId6"/>
+    <p:sldId id="261" r:id="rId7"/>
+    <p:sldId id="262" r:id="rId8"/>
+    <p:sldId id="263" r:id="rId9"/>
+    <p:sldId id="264" r:id="rId10"/>
   </p:sldIdLst>
   <p:sldSz cx="9144000" cy="6858000" type="screen4x3"/>
   <p:notesSz cx="6858000" cy="9144000"/>
@@ -112,6 +112,22 @@
       </a:defRPr>
     </a:lvl9pPr>
   </p:defaultTextStyle>
+  <p:extLst>
+    <p:ext uri="{EFAFB233-063F-42B5-8137-9DF3F51BA10A}">
+      <p15:sldGuideLst xmlns:p15="http://schemas.microsoft.com/office/powerpoint/2012/main">
+        <p15:guide id="1" orient="horz" pos="2160">
+          <p15:clr>
+            <a:srgbClr val="A4A3A4"/>
+          </p15:clr>
+        </p15:guide>
+        <p15:guide id="2" pos="2880">
+          <p15:clr>
+            <a:srgbClr val="A4A3A4"/>
+          </p15:clr>
+        </p15:guide>
+      </p15:sldGuideLst>
+    </p:ext>
+  </p:extLst>
 </p:presentation>
 </file>
 
@@ -153,10 +169,9 @@
           <a:lstStyle/>
           <a:p>
             <a:r>
-              <a:rPr lang="en-US" smtClean="0"/>
+              <a:rPr lang="en-US"/>
               <a:t>Click to edit Master title style</a:t>
             </a:r>
-            <a:endParaRPr lang="en-US"/>
           </a:p>
         </p:txBody>
       </p:sp>
@@ -272,10 +287,9 @@
           </a:lstStyle>
           <a:p>
             <a:r>
-              <a:rPr lang="en-US" smtClean="0"/>
+              <a:rPr lang="en-US"/>
               <a:t>Click to edit Master subtitle style</a:t>
             </a:r>
-            <a:endParaRPr lang="en-US"/>
           </a:p>
         </p:txBody>
       </p:sp>
@@ -296,7 +310,7 @@
           <a:p>
             <a:fld id="{5BCAD085-E8A6-8845-BD4E-CB4CCA059FC4}" type="datetimeFigureOut">
               <a:rPr lang="en-US" smtClean="0"/>
-              <a:t>1/27/13</a:t>
+              <a:t>1/21/2026</a:t>
             </a:fld>
             <a:endParaRPr lang="en-US"/>
           </a:p>
@@ -390,10 +404,9 @@
           <a:lstStyle/>
           <a:p>
             <a:r>
-              <a:rPr lang="en-US" smtClean="0"/>
+              <a:rPr lang="en-US"/>
               <a:t>Click to edit Master title style</a:t>
             </a:r>
-            <a:endParaRPr lang="en-US"/>
           </a:p>
         </p:txBody>
       </p:sp>
@@ -414,38 +427,37 @@
           <a:p>
             <a:pPr lvl="0"/>
             <a:r>
-              <a:rPr lang="en-US" smtClean="0"/>
+              <a:rPr lang="en-US"/>
               <a:t>Click to edit Master text styles</a:t>
             </a:r>
           </a:p>
           <a:p>
             <a:pPr lvl="1"/>
             <a:r>
-              <a:rPr lang="en-US" smtClean="0"/>
+              <a:rPr lang="en-US"/>
               <a:t>Second level</a:t>
             </a:r>
           </a:p>
           <a:p>
             <a:pPr lvl="2"/>
             <a:r>
-              <a:rPr lang="en-US" smtClean="0"/>
+              <a:rPr lang="en-US"/>
               <a:t>Third level</a:t>
             </a:r>
           </a:p>
           <a:p>
             <a:pPr lvl="3"/>
             <a:r>
-              <a:rPr lang="en-US" smtClean="0"/>
+              <a:rPr lang="en-US"/>
               <a:t>Fourth level</a:t>
             </a:r>
           </a:p>
           <a:p>
             <a:pPr lvl="4"/>
             <a:r>
-              <a:rPr lang="en-US" smtClean="0"/>
+              <a:rPr lang="en-US"/>
               <a:t>Fifth level</a:t>
             </a:r>
-            <a:endParaRPr lang="en-US"/>
           </a:p>
         </p:txBody>
       </p:sp>
@@ -466,7 +478,7 @@
           <a:p>
             <a:fld id="{5BCAD085-E8A6-8845-BD4E-CB4CCA059FC4}" type="datetimeFigureOut">
               <a:rPr lang="en-US" smtClean="0"/>
-              <a:t>1/27/13</a:t>
+              <a:t>1/21/2026</a:t>
             </a:fld>
             <a:endParaRPr lang="en-US"/>
           </a:p>
@@ -565,10 +577,9 @@
           <a:lstStyle/>
           <a:p>
             <a:r>
-              <a:rPr lang="en-US" smtClean="0"/>
+              <a:rPr lang="en-US"/>
               <a:t>Click to edit Master title style</a:t>
             </a:r>
-            <a:endParaRPr lang="en-US"/>
           </a:p>
         </p:txBody>
       </p:sp>
@@ -594,38 +605,37 @@
           <a:p>
             <a:pPr lvl="0"/>
             <a:r>
-              <a:rPr lang="en-US" smtClean="0"/>
+              <a:rPr lang="en-US"/>
               <a:t>Click to edit Master text styles</a:t>
             </a:r>
           </a:p>
           <a:p>
             <a:pPr lvl="1"/>
             <a:r>
-              <a:rPr lang="en-US" smtClean="0"/>
+              <a:rPr lang="en-US"/>
               <a:t>Second level</a:t>
             </a:r>
           </a:p>
           <a:p>
             <a:pPr lvl="2"/>
             <a:r>
-              <a:rPr lang="en-US" smtClean="0"/>
+              <a:rPr lang="en-US"/>
               <a:t>Third level</a:t>
             </a:r>
           </a:p>
           <a:p>
             <a:pPr lvl="3"/>
             <a:r>
-              <a:rPr lang="en-US" smtClean="0"/>
+              <a:rPr lang="en-US"/>
               <a:t>Fourth level</a:t>
             </a:r>
           </a:p>
           <a:p>
             <a:pPr lvl="4"/>
             <a:r>
-              <a:rPr lang="en-US" smtClean="0"/>
+              <a:rPr lang="en-US"/>
               <a:t>Fifth level</a:t>
             </a:r>
-            <a:endParaRPr lang="en-US"/>
           </a:p>
         </p:txBody>
       </p:sp>
@@ -646,7 +656,7 @@
           <a:p>
             <a:fld id="{5BCAD085-E8A6-8845-BD4E-CB4CCA059FC4}" type="datetimeFigureOut">
               <a:rPr lang="en-US" smtClean="0"/>
-              <a:t>1/27/13</a:t>
+              <a:t>1/21/2026</a:t>
             </a:fld>
             <a:endParaRPr lang="en-US"/>
           </a:p>
@@ -740,10 +750,9 @@
           <a:lstStyle/>
           <a:p>
             <a:r>
-              <a:rPr lang="en-US" smtClean="0"/>
+              <a:rPr lang="en-US"/>
               <a:t>Click to edit Master title style</a:t>
             </a:r>
-            <a:endParaRPr lang="en-US"/>
           </a:p>
         </p:txBody>
       </p:sp>
@@ -764,38 +773,37 @@
           <a:p>
             <a:pPr lvl="0"/>
             <a:r>
-              <a:rPr lang="en-US" smtClean="0"/>
+              <a:rPr lang="en-US"/>
               <a:t>Click to edit Master text styles</a:t>
             </a:r>
           </a:p>
           <a:p>
             <a:pPr lvl="1"/>
             <a:r>
-              <a:rPr lang="en-US" smtClean="0"/>
+              <a:rPr lang="en-US"/>
               <a:t>Second level</a:t>
             </a:r>
           </a:p>
           <a:p>
             <a:pPr lvl="2"/>
             <a:r>
-              <a:rPr lang="en-US" smtClean="0"/>
+              <a:rPr lang="en-US"/>
               <a:t>Third level</a:t>
             </a:r>
           </a:p>
           <a:p>
             <a:pPr lvl="3"/>
             <a:r>
-              <a:rPr lang="en-US" smtClean="0"/>
+              <a:rPr lang="en-US"/>
               <a:t>Fourth level</a:t>
             </a:r>
           </a:p>
           <a:p>
             <a:pPr lvl="4"/>
             <a:r>
-              <a:rPr lang="en-US" smtClean="0"/>
+              <a:rPr lang="en-US"/>
               <a:t>Fifth level</a:t>
             </a:r>
-            <a:endParaRPr lang="en-US"/>
           </a:p>
         </p:txBody>
       </p:sp>
@@ -816,7 +824,7 @@
           <a:p>
             <a:fld id="{5BCAD085-E8A6-8845-BD4E-CB4CCA059FC4}" type="datetimeFigureOut">
               <a:rPr lang="en-US" smtClean="0"/>
-              <a:t>1/27/13</a:t>
+              <a:t>1/21/2026</a:t>
             </a:fld>
             <a:endParaRPr lang="en-US"/>
           </a:p>
@@ -919,10 +927,9 @@
           </a:lstStyle>
           <a:p>
             <a:r>
-              <a:rPr lang="en-US" smtClean="0"/>
+              <a:rPr lang="en-US"/>
               <a:t>Click to edit Master title style</a:t>
             </a:r>
-            <a:endParaRPr lang="en-US"/>
           </a:p>
         </p:txBody>
       </p:sp>
@@ -1039,7 +1046,7 @@
           <a:p>
             <a:pPr lvl="0"/>
             <a:r>
-              <a:rPr lang="en-US" smtClean="0"/>
+              <a:rPr lang="en-US"/>
               <a:t>Click to edit Master text styles</a:t>
             </a:r>
           </a:p>
@@ -1062,7 +1069,7 @@
           <a:p>
             <a:fld id="{5BCAD085-E8A6-8845-BD4E-CB4CCA059FC4}" type="datetimeFigureOut">
               <a:rPr lang="en-US" smtClean="0"/>
-              <a:t>1/27/13</a:t>
+              <a:t>1/21/2026</a:t>
             </a:fld>
             <a:endParaRPr lang="en-US"/>
           </a:p>
@@ -1156,10 +1163,9 @@
           <a:lstStyle/>
           <a:p>
             <a:r>
-              <a:rPr lang="en-US" smtClean="0"/>
+              <a:rPr lang="en-US"/>
               <a:t>Click to edit Master title style</a:t>
             </a:r>
-            <a:endParaRPr lang="en-US"/>
           </a:p>
         </p:txBody>
       </p:sp>
@@ -1213,38 +1219,37 @@
           <a:p>
             <a:pPr lvl="0"/>
             <a:r>
-              <a:rPr lang="en-US" smtClean="0"/>
+              <a:rPr lang="en-US"/>
               <a:t>Click to edit Master text styles</a:t>
             </a:r>
           </a:p>
           <a:p>
             <a:pPr lvl="1"/>
             <a:r>
-              <a:rPr lang="en-US" smtClean="0"/>
+              <a:rPr lang="en-US"/>
               <a:t>Second level</a:t>
             </a:r>
           </a:p>
           <a:p>
             <a:pPr lvl="2"/>
             <a:r>
-              <a:rPr lang="en-US" smtClean="0"/>
+              <a:rPr lang="en-US"/>
               <a:t>Third level</a:t>
             </a:r>
           </a:p>
           <a:p>
             <a:pPr lvl="3"/>
             <a:r>
-              <a:rPr lang="en-US" smtClean="0"/>
+              <a:rPr lang="en-US"/>
               <a:t>Fourth level</a:t>
             </a:r>
           </a:p>
           <a:p>
             <a:pPr lvl="4"/>
             <a:r>
-              <a:rPr lang="en-US" smtClean="0"/>
+              <a:rPr lang="en-US"/>
               <a:t>Fifth level</a:t>
             </a:r>
-            <a:endParaRPr lang="en-US"/>
           </a:p>
         </p:txBody>
       </p:sp>
@@ -1298,38 +1303,37 @@
           <a:p>
             <a:pPr lvl="0"/>
             <a:r>
-              <a:rPr lang="en-US" smtClean="0"/>
+              <a:rPr lang="en-US"/>
               <a:t>Click to edit Master text styles</a:t>
             </a:r>
           </a:p>
           <a:p>
             <a:pPr lvl="1"/>
             <a:r>
-              <a:rPr lang="en-US" smtClean="0"/>
+              <a:rPr lang="en-US"/>
               <a:t>Second level</a:t>
             </a:r>
           </a:p>
           <a:p>
             <a:pPr lvl="2"/>
             <a:r>
-              <a:rPr lang="en-US" smtClean="0"/>
+              <a:rPr lang="en-US"/>
               <a:t>Third level</a:t>
             </a:r>
           </a:p>
           <a:p>
             <a:pPr lvl="3"/>
             <a:r>
-              <a:rPr lang="en-US" smtClean="0"/>
+              <a:rPr lang="en-US"/>
               <a:t>Fourth level</a:t>
             </a:r>
           </a:p>
           <a:p>
             <a:pPr lvl="4"/>
             <a:r>
-              <a:rPr lang="en-US" smtClean="0"/>
+              <a:rPr lang="en-US"/>
               <a:t>Fifth level</a:t>
             </a:r>
-            <a:endParaRPr lang="en-US"/>
           </a:p>
         </p:txBody>
       </p:sp>
@@ -1350,7 +1354,7 @@
           <a:p>
             <a:fld id="{5BCAD085-E8A6-8845-BD4E-CB4CCA059FC4}" type="datetimeFigureOut">
               <a:rPr lang="en-US" smtClean="0"/>
-              <a:t>1/27/13</a:t>
+              <a:t>1/21/2026</a:t>
             </a:fld>
             <a:endParaRPr lang="en-US"/>
           </a:p>
@@ -1448,10 +1452,9 @@
           </a:lstStyle>
           <a:p>
             <a:r>
-              <a:rPr lang="en-US" smtClean="0"/>
+              <a:rPr lang="en-US"/>
               <a:t>Click to edit Master title style</a:t>
             </a:r>
-            <a:endParaRPr lang="en-US"/>
           </a:p>
         </p:txBody>
       </p:sp>
@@ -1514,7 +1517,7 @@
           <a:p>
             <a:pPr lvl="0"/>
             <a:r>
-              <a:rPr lang="en-US" smtClean="0"/>
+              <a:rPr lang="en-US"/>
               <a:t>Click to edit Master text styles</a:t>
             </a:r>
           </a:p>
@@ -1570,38 +1573,37 @@
           <a:p>
             <a:pPr lvl="0"/>
             <a:r>
-              <a:rPr lang="en-US" smtClean="0"/>
+              <a:rPr lang="en-US"/>
               <a:t>Click to edit Master text styles</a:t>
             </a:r>
           </a:p>
           <a:p>
             <a:pPr lvl="1"/>
             <a:r>
-              <a:rPr lang="en-US" smtClean="0"/>
+              <a:rPr lang="en-US"/>
               <a:t>Second level</a:t>
             </a:r>
           </a:p>
           <a:p>
             <a:pPr lvl="2"/>
             <a:r>
-              <a:rPr lang="en-US" smtClean="0"/>
+              <a:rPr lang="en-US"/>
               <a:t>Third level</a:t>
             </a:r>
           </a:p>
           <a:p>
             <a:pPr lvl="3"/>
             <a:r>
-              <a:rPr lang="en-US" smtClean="0"/>
+              <a:rPr lang="en-US"/>
               <a:t>Fourth level</a:t>
             </a:r>
           </a:p>
           <a:p>
             <a:pPr lvl="4"/>
             <a:r>
-              <a:rPr lang="en-US" smtClean="0"/>
+              <a:rPr lang="en-US"/>
               <a:t>Fifth level</a:t>
             </a:r>
-            <a:endParaRPr lang="en-US"/>
           </a:p>
         </p:txBody>
       </p:sp>
@@ -1664,7 +1666,7 @@
           <a:p>
             <a:pPr lvl="0"/>
             <a:r>
-              <a:rPr lang="en-US" smtClean="0"/>
+              <a:rPr lang="en-US"/>
               <a:t>Click to edit Master text styles</a:t>
             </a:r>
           </a:p>
@@ -1720,38 +1722,37 @@
           <a:p>
             <a:pPr lvl="0"/>
             <a:r>
-              <a:rPr lang="en-US" smtClean="0"/>
+              <a:rPr lang="en-US"/>
               <a:t>Click to edit Master text styles</a:t>
             </a:r>
           </a:p>
           <a:p>
             <a:pPr lvl="1"/>
             <a:r>
-              <a:rPr lang="en-US" smtClean="0"/>
+              <a:rPr lang="en-US"/>
               <a:t>Second level</a:t>
             </a:r>
           </a:p>
           <a:p>
             <a:pPr lvl="2"/>
             <a:r>
-              <a:rPr lang="en-US" smtClean="0"/>
+              <a:rPr lang="en-US"/>
               <a:t>Third level</a:t>
             </a:r>
           </a:p>
           <a:p>
             <a:pPr lvl="3"/>
             <a:r>
-              <a:rPr lang="en-US" smtClean="0"/>
+              <a:rPr lang="en-US"/>
               <a:t>Fourth level</a:t>
             </a:r>
           </a:p>
           <a:p>
             <a:pPr lvl="4"/>
             <a:r>
-              <a:rPr lang="en-US" smtClean="0"/>
+              <a:rPr lang="en-US"/>
               <a:t>Fifth level</a:t>
             </a:r>
-            <a:endParaRPr lang="en-US"/>
           </a:p>
         </p:txBody>
       </p:sp>
@@ -1772,7 +1773,7 @@
           <a:p>
             <a:fld id="{5BCAD085-E8A6-8845-BD4E-CB4CCA059FC4}" type="datetimeFigureOut">
               <a:rPr lang="en-US" smtClean="0"/>
-              <a:t>1/27/13</a:t>
+              <a:t>1/21/2026</a:t>
             </a:fld>
             <a:endParaRPr lang="en-US"/>
           </a:p>
@@ -1866,10 +1867,9 @@
           <a:lstStyle/>
           <a:p>
             <a:r>
-              <a:rPr lang="en-US" smtClean="0"/>
+              <a:rPr lang="en-US"/>
               <a:t>Click to edit Master title style</a:t>
             </a:r>
-            <a:endParaRPr lang="en-US"/>
           </a:p>
         </p:txBody>
       </p:sp>
@@ -1890,7 +1890,7 @@
           <a:p>
             <a:fld id="{5BCAD085-E8A6-8845-BD4E-CB4CCA059FC4}" type="datetimeFigureOut">
               <a:rPr lang="en-US" smtClean="0"/>
-              <a:t>1/27/13</a:t>
+              <a:t>1/21/2026</a:t>
             </a:fld>
             <a:endParaRPr lang="en-US"/>
           </a:p>
@@ -1985,7 +1985,7 @@
           <a:p>
             <a:fld id="{5BCAD085-E8A6-8845-BD4E-CB4CCA059FC4}" type="datetimeFigureOut">
               <a:rPr lang="en-US" smtClean="0"/>
-              <a:t>1/27/13</a:t>
+              <a:t>1/21/2026</a:t>
             </a:fld>
             <a:endParaRPr lang="en-US"/>
           </a:p>
@@ -2088,10 +2088,9 @@
           </a:lstStyle>
           <a:p>
             <a:r>
-              <a:rPr lang="en-US" smtClean="0"/>
+              <a:rPr lang="en-US"/>
               <a:t>Click to edit Master title style</a:t>
             </a:r>
-            <a:endParaRPr lang="en-US"/>
           </a:p>
         </p:txBody>
       </p:sp>
@@ -2145,38 +2144,37 @@
           <a:p>
             <a:pPr lvl="0"/>
             <a:r>
-              <a:rPr lang="en-US" smtClean="0"/>
+              <a:rPr lang="en-US"/>
               <a:t>Click to edit Master text styles</a:t>
             </a:r>
           </a:p>
           <a:p>
             <a:pPr lvl="1"/>
             <a:r>
-              <a:rPr lang="en-US" smtClean="0"/>
+              <a:rPr lang="en-US"/>
               <a:t>Second level</a:t>
             </a:r>
           </a:p>
           <a:p>
             <a:pPr lvl="2"/>
             <a:r>
-              <a:rPr lang="en-US" smtClean="0"/>
+              <a:rPr lang="en-US"/>
               <a:t>Third level</a:t>
             </a:r>
           </a:p>
           <a:p>
             <a:pPr lvl="3"/>
             <a:r>
-              <a:rPr lang="en-US" smtClean="0"/>
+              <a:rPr lang="en-US"/>
               <a:t>Fourth level</a:t>
             </a:r>
           </a:p>
           <a:p>
             <a:pPr lvl="4"/>
             <a:r>
-              <a:rPr lang="en-US" smtClean="0"/>
+              <a:rPr lang="en-US"/>
               <a:t>Fifth level</a:t>
             </a:r>
-            <a:endParaRPr lang="en-US"/>
           </a:p>
         </p:txBody>
       </p:sp>
@@ -2239,7 +2237,7 @@
           <a:p>
             <a:pPr lvl="0"/>
             <a:r>
-              <a:rPr lang="en-US" smtClean="0"/>
+              <a:rPr lang="en-US"/>
               <a:t>Click to edit Master text styles</a:t>
             </a:r>
           </a:p>
@@ -2262,7 +2260,7 @@
           <a:p>
             <a:fld id="{5BCAD085-E8A6-8845-BD4E-CB4CCA059FC4}" type="datetimeFigureOut">
               <a:rPr lang="en-US" smtClean="0"/>
-              <a:t>1/27/13</a:t>
+              <a:t>1/21/2026</a:t>
             </a:fld>
             <a:endParaRPr lang="en-US"/>
           </a:p>
@@ -2365,10 +2363,9 @@
           </a:lstStyle>
           <a:p>
             <a:r>
-              <a:rPr lang="en-US" smtClean="0"/>
+              <a:rPr lang="en-US"/>
               <a:t>Click to edit Master title style</a:t>
             </a:r>
-            <a:endParaRPr lang="en-US"/>
           </a:p>
         </p:txBody>
       </p:sp>
@@ -2492,7 +2489,7 @@
           <a:p>
             <a:pPr lvl="0"/>
             <a:r>
-              <a:rPr lang="en-US" smtClean="0"/>
+              <a:rPr lang="en-US"/>
               <a:t>Click to edit Master text styles</a:t>
             </a:r>
           </a:p>
@@ -2515,7 +2512,7 @@
           <a:p>
             <a:fld id="{5BCAD085-E8A6-8845-BD4E-CB4CCA059FC4}" type="datetimeFigureOut">
               <a:rPr lang="en-US" smtClean="0"/>
-              <a:t>1/27/13</a:t>
+              <a:t>1/21/2026</a:t>
             </a:fld>
             <a:endParaRPr lang="en-US"/>
           </a:p>
@@ -2624,10 +2621,9 @@
           <a:lstStyle/>
           <a:p>
             <a:r>
-              <a:rPr lang="en-US" smtClean="0"/>
+              <a:rPr lang="en-US"/>
               <a:t>Click to edit Master title style</a:t>
             </a:r>
-            <a:endParaRPr lang="en-US"/>
           </a:p>
         </p:txBody>
       </p:sp>
@@ -2658,38 +2654,37 @@
           <a:p>
             <a:pPr lvl="0"/>
             <a:r>
-              <a:rPr lang="en-US" smtClean="0"/>
+              <a:rPr lang="en-US"/>
               <a:t>Click to edit Master text styles</a:t>
             </a:r>
           </a:p>
           <a:p>
             <a:pPr lvl="1"/>
             <a:r>
-              <a:rPr lang="en-US" smtClean="0"/>
+              <a:rPr lang="en-US"/>
               <a:t>Second level</a:t>
             </a:r>
           </a:p>
           <a:p>
             <a:pPr lvl="2"/>
             <a:r>
-              <a:rPr lang="en-US" smtClean="0"/>
+              <a:rPr lang="en-US"/>
               <a:t>Third level</a:t>
             </a:r>
           </a:p>
           <a:p>
             <a:pPr lvl="3"/>
             <a:r>
-              <a:rPr lang="en-US" smtClean="0"/>
+              <a:rPr lang="en-US"/>
               <a:t>Fourth level</a:t>
             </a:r>
           </a:p>
           <a:p>
             <a:pPr lvl="4"/>
             <a:r>
-              <a:rPr lang="en-US" smtClean="0"/>
+              <a:rPr lang="en-US"/>
               <a:t>Fifth level</a:t>
             </a:r>
-            <a:endParaRPr lang="en-US"/>
           </a:p>
         </p:txBody>
       </p:sp>
@@ -2728,7 +2723,7 @@
           <a:p>
             <a:fld id="{5BCAD085-E8A6-8845-BD4E-CB4CCA059FC4}" type="datetimeFigureOut">
               <a:rPr lang="en-US" smtClean="0"/>
-              <a:t>1/27/13</a:t>
+              <a:t>1/21/2026</a:t>
             </a:fld>
             <a:endParaRPr lang="en-US"/>
           </a:p>
@@ -3087,7 +3082,7 @@
 </file>
 
 <file path=ppt/slides/slide1.xml><?xml version="1.0" encoding="utf-8"?>
-<p:sld xmlns:a="http://schemas.openxmlformats.org/drawingml/2006/main" xmlns:p="http://schemas.openxmlformats.org/presentationml/2006/main" xmlns:r="http://schemas.openxmlformats.org/officeDocument/2006/relationships">
+<p:sld xmlns:a="http://schemas.openxmlformats.org/drawingml/2006/main" xmlns:r="http://schemas.openxmlformats.org/officeDocument/2006/relationships" xmlns:p="http://schemas.openxmlformats.org/presentationml/2006/main">
   <p:cSld>
     <p:spTree>
       <p:nvGrpSpPr>
@@ -3095,7 +3090,14 @@
         <p:cNvGrpSpPr/>
         <p:nvPr/>
       </p:nvGrpSpPr>
-      <p:grpSpPr/>
+      <p:grpSpPr>
+        <a:xfrm>
+          <a:off x="0" y="0"/>
+          <a:ext cx="0" cy="0"/>
+          <a:chOff x="0" y="0"/>
+          <a:chExt cx="0" cy="0"/>
+        </a:xfrm>
+      </p:grpSpPr>
       <p:sp>
         <p:nvSpPr>
           <p:cNvPr id="2" name="Title 1"/>
@@ -3152,7 +3154,7 @@
 </file>
 
 <file path=ppt/slides/slide2.xml><?xml version="1.0" encoding="utf-8"?>
-<p:sld xmlns:a="http://schemas.openxmlformats.org/drawingml/2006/main" xmlns:p="http://schemas.openxmlformats.org/presentationml/2006/main" xmlns:r="http://schemas.openxmlformats.org/officeDocument/2006/relationships">
+<p:sld xmlns:a="http://schemas.openxmlformats.org/drawingml/2006/main" xmlns:r="http://schemas.openxmlformats.org/officeDocument/2006/relationships" xmlns:p="http://schemas.openxmlformats.org/presentationml/2006/main">
   <p:cSld>
     <p:bg>
       <p:bgPr>
@@ -3168,7 +3170,14 @@
         <p:cNvGrpSpPr/>
         <p:nvPr/>
       </p:nvGrpSpPr>
-      <p:grpSpPr/>
+      <p:grpSpPr>
+        <a:xfrm>
+          <a:off x="0" y="0"/>
+          <a:ext cx="0" cy="0"/>
+          <a:chOff x="0" y="0"/>
+          <a:chExt cx="0" cy="0"/>
+        </a:xfrm>
+      </p:grpSpPr>
       <p:sp>
         <p:nvSpPr>
           <p:cNvPr id="2" name="Title 1"/>
@@ -3213,8 +3222,46 @@
               </a:defRPr>
             </a:pPr>
             <a:r>
-              <a:t>• 문자열은 문자들의 순서 있는 집합이다</a:t>
-            </a:r>
+              <a:rPr dirty="0"/>
+              <a:t>• </a:t>
+            </a:r>
+            <a:r>
+              <a:rPr dirty="0" err="1"/>
+              <a:t>문자열은</a:t>
+            </a:r>
+            <a:r>
+              <a:rPr dirty="0"/>
+              <a:t> </a:t>
+            </a:r>
+            <a:r>
+              <a:rPr dirty="0" err="1"/>
+              <a:t>문자들의</a:t>
+            </a:r>
+            <a:r>
+              <a:rPr dirty="0"/>
+              <a:t> </a:t>
+            </a:r>
+            <a:r>
+              <a:rPr dirty="0" err="1"/>
+              <a:t>순서</a:t>
+            </a:r>
+            <a:r>
+              <a:rPr dirty="0"/>
+              <a:t> </a:t>
+            </a:r>
+            <a:r>
+              <a:rPr dirty="0" err="1"/>
+              <a:t>있는</a:t>
+            </a:r>
+            <a:r>
+              <a:rPr dirty="0"/>
+              <a:t> </a:t>
+            </a:r>
+            <a:r>
+              <a:rPr dirty="0" err="1"/>
+              <a:t>집합이다</a:t>
+            </a:r>
+            <a:endParaRPr dirty="0"/>
           </a:p>
           <a:p>
             <a:pPr>
@@ -3225,8 +3272,30 @@
               </a:defRPr>
             </a:pPr>
             <a:r>
-              <a:t>• 인덱싱과 슬라이싱이 가능하다</a:t>
-            </a:r>
+              <a:rPr dirty="0"/>
+              <a:t>• </a:t>
+            </a:r>
+            <a:r>
+              <a:rPr dirty="0" err="1"/>
+              <a:t>인덱싱과</a:t>
+            </a:r>
+            <a:r>
+              <a:rPr dirty="0"/>
+              <a:t> </a:t>
+            </a:r>
+            <a:r>
+              <a:rPr dirty="0" err="1"/>
+              <a:t>슬라이싱이</a:t>
+            </a:r>
+            <a:r>
+              <a:rPr dirty="0"/>
+              <a:t> </a:t>
+            </a:r>
+            <a:r>
+              <a:rPr dirty="0" err="1"/>
+              <a:t>가능하다</a:t>
+            </a:r>
+            <a:endParaRPr dirty="0"/>
           </a:p>
           <a:p>
             <a:pPr>
@@ -3237,8 +3306,306 @@
               </a:defRPr>
             </a:pPr>
             <a:r>
-              <a:t>• 문자열은 수정이 불가능(immutable)하다</a:t>
-            </a:r>
+              <a:rPr dirty="0"/>
+              <a:t>• </a:t>
+            </a:r>
+            <a:r>
+              <a:rPr dirty="0" err="1"/>
+              <a:t>문자열은</a:t>
+            </a:r>
+            <a:r>
+              <a:rPr dirty="0"/>
+              <a:t> </a:t>
+            </a:r>
+            <a:r>
+              <a:rPr dirty="0" err="1"/>
+              <a:t>수정이</a:t>
+            </a:r>
+            <a:r>
+              <a:rPr dirty="0"/>
+              <a:t> </a:t>
+            </a:r>
+            <a:r>
+              <a:rPr dirty="0" err="1"/>
+              <a:t>불가능</a:t>
+            </a:r>
+            <a:r>
+              <a:rPr dirty="0"/>
+              <a:t>(immutable)</a:t>
+            </a:r>
+            <a:r>
+              <a:rPr dirty="0" err="1"/>
+              <a:t>하다</a:t>
+            </a:r>
+            <a:endParaRPr lang="en-US" dirty="0"/>
+          </a:p>
+          <a:p>
+            <a:pPr>
+              <a:defRPr sz="1800">
+                <a:solidFill>
+                  <a:srgbClr val="282828"/>
+                </a:solidFill>
+              </a:defRPr>
+            </a:pPr>
+            <a:endParaRPr lang="en-US" dirty="0"/>
+          </a:p>
+          <a:p>
+            <a:pPr>
+              <a:defRPr sz="1800">
+                <a:solidFill>
+                  <a:srgbClr val="282828"/>
+                </a:solidFill>
+              </a:defRPr>
+            </a:pPr>
+            <a:endParaRPr lang="en-US" dirty="0"/>
+          </a:p>
+          <a:p>
+            <a:pPr>
+              <a:defRPr sz="1800">
+                <a:solidFill>
+                  <a:srgbClr val="282828"/>
+                </a:solidFill>
+              </a:defRPr>
+            </a:pPr>
+            <a:endParaRPr dirty="0"/>
+          </a:p>
+        </p:txBody>
+      </p:sp>
+      <p:sp>
+        <p:nvSpPr>
+          <p:cNvPr id="5" name="Rectangle 2">
+            <a:extLst>
+              <a:ext uri="{FF2B5EF4-FFF2-40B4-BE49-F238E27FC236}">
+                <a16:creationId xmlns:a16="http://schemas.microsoft.com/office/drawing/2014/main" id="{8F092D5A-0F6F-0206-15AE-B602CE699DDC}"/>
+              </a:ext>
+            </a:extLst>
+          </p:cNvPr>
+          <p:cNvSpPr>
+            <a:spLocks noChangeArrowheads="1"/>
+          </p:cNvSpPr>
+          <p:nvPr/>
+        </p:nvSpPr>
+        <p:spPr bwMode="auto">
+          <a:xfrm>
+            <a:off x="457200" y="3200400"/>
+            <a:ext cx="9144000" cy="457200"/>
+          </a:xfrm>
+          <a:prstGeom prst="rect">
+            <a:avLst/>
+          </a:prstGeom>
+          <a:noFill/>
+          <a:ln>
+            <a:noFill/>
+          </a:ln>
+          <a:effectLst/>
+          <a:extLst>
+            <a:ext uri="{909E8E84-426E-40DD-AFC4-6F175D3DCCD1}">
+              <a14:hiddenFill xmlns:a14="http://schemas.microsoft.com/office/drawing/2010/main">
+                <a:solidFill>
+                  <a:schemeClr val="accent1"/>
+                </a:solidFill>
+              </a14:hiddenFill>
+            </a:ext>
+            <a:ext uri="{91240B29-F687-4F45-9708-019B960494DF}">
+              <a14:hiddenLine xmlns:a14="http://schemas.microsoft.com/office/drawing/2010/main" w="9525">
+                <a:solidFill>
+                  <a:schemeClr val="tx1"/>
+                </a:solidFill>
+                <a:miter lim="800000"/>
+                <a:headEnd/>
+                <a:tailEnd/>
+              </a14:hiddenLine>
+            </a:ext>
+            <a:ext uri="{AF507438-7753-43E0-B8FC-AC1667EBCBE1}">
+              <a14:hiddenEffects xmlns:a14="http://schemas.microsoft.com/office/drawing/2010/main">
+                <a:effectLst>
+                  <a:outerShdw dist="35921" dir="2700000" algn="ctr" rotWithShape="0">
+                    <a:schemeClr val="bg2"/>
+                  </a:outerShdw>
+                </a:effectLst>
+              </a14:hiddenEffects>
+            </a:ext>
+          </a:extLst>
+        </p:spPr>
+        <p:txBody>
+          <a:bodyPr vert="horz" wrap="none" lIns="91440" tIns="45720" rIns="91440" bIns="45720" numCol="1" anchor="ctr" anchorCtr="0" compatLnSpc="1">
+            <a:prstTxWarp prst="textNoShape">
+              <a:avLst/>
+            </a:prstTxWarp>
+            <a:spAutoFit/>
+          </a:bodyPr>
+          <a:lstStyle/>
+          <a:p>
+            <a:pPr marL="0" marR="0" lvl="0" indent="0" algn="l" defTabSz="914400" rtl="0" eaLnBrk="0" fontAlgn="base" latinLnBrk="0" hangingPunct="0">
+              <a:lnSpc>
+                <a:spcPct val="100000"/>
+              </a:lnSpc>
+              <a:spcBef>
+                <a:spcPct val="0"/>
+              </a:spcBef>
+              <a:spcAft>
+                <a:spcPct val="0"/>
+              </a:spcAft>
+              <a:buClrTx/>
+              <a:buSzTx/>
+              <a:buFontTx/>
+              <a:buNone/>
+              <a:tabLst/>
+            </a:pPr>
+            <a:r>
+              <a:rPr kumimoji="0" lang="ko-KR" altLang="ko-KR" sz="1800" b="1" i="0" u="none" strike="noStrike" cap="none" normalizeH="0" baseline="0" dirty="0">
+                <a:ln>
+                  <a:noFill/>
+                </a:ln>
+                <a:solidFill>
+                  <a:schemeClr val="tx1"/>
+                </a:solidFill>
+                <a:effectLst/>
+                <a:latin typeface="Arial" panose="020B0604020202020204" pitchFamily="34" charset="0"/>
+              </a:rPr>
+              <a:t>문자열은 불변(</a:t>
+            </a:r>
+            <a:r>
+              <a:rPr kumimoji="0" lang="ko-KR" altLang="ko-KR" sz="1800" b="1" i="0" u="none" strike="noStrike" cap="none" normalizeH="0" baseline="0" dirty="0" err="1">
+                <a:ln>
+                  <a:noFill/>
+                </a:ln>
+                <a:solidFill>
+                  <a:schemeClr val="tx1"/>
+                </a:solidFill>
+                <a:effectLst/>
+                <a:latin typeface="Arial" panose="020B0604020202020204" pitchFamily="34" charset="0"/>
+              </a:rPr>
+              <a:t>immutable</a:t>
+            </a:r>
+            <a:r>
+              <a:rPr kumimoji="0" lang="ko-KR" altLang="ko-KR" sz="1800" b="1" i="0" u="none" strike="noStrike" cap="none" normalizeH="0" baseline="0" dirty="0">
+                <a:ln>
+                  <a:noFill/>
+                </a:ln>
+                <a:solidFill>
+                  <a:schemeClr val="tx1"/>
+                </a:solidFill>
+                <a:effectLst/>
+                <a:latin typeface="Arial" panose="020B0604020202020204" pitchFamily="34" charset="0"/>
+              </a:rPr>
+              <a:t>)</a:t>
+            </a:r>
+            <a:br>
+              <a:rPr kumimoji="0" lang="ko-KR" altLang="ko-KR" sz="1800" b="0" i="0" u="none" strike="noStrike" cap="none" normalizeH="0" baseline="0" dirty="0">
+                <a:ln>
+                  <a:noFill/>
+                </a:ln>
+                <a:solidFill>
+                  <a:schemeClr val="tx1"/>
+                </a:solidFill>
+                <a:effectLst/>
+                <a:latin typeface="Arial" panose="020B0604020202020204" pitchFamily="34" charset="0"/>
+              </a:rPr>
+            </a:br>
+            <a:r>
+              <a:rPr kumimoji="0" lang="ko-KR" altLang="ko-KR" sz="1800" b="0" i="0" u="none" strike="noStrike" cap="none" normalizeH="0" baseline="0" dirty="0">
+                <a:ln>
+                  <a:noFill/>
+                </a:ln>
+                <a:solidFill>
+                  <a:schemeClr val="tx1"/>
+                </a:solidFill>
+                <a:effectLst/>
+                <a:latin typeface="Arial" panose="020B0604020202020204" pitchFamily="34" charset="0"/>
+              </a:rPr>
+              <a:t>변경하려면 반드시 다시 저장해야 함</a:t>
+            </a:r>
+            <a:endParaRPr kumimoji="0" lang="ko-KR" altLang="ko-KR" sz="1000" b="0" i="0" u="none" strike="noStrike" cap="none" normalizeH="0" baseline="0" dirty="0">
+              <a:ln>
+                <a:noFill/>
+              </a:ln>
+              <a:solidFill>
+                <a:schemeClr val="tx1"/>
+              </a:solidFill>
+              <a:effectLst/>
+              <a:latin typeface="Arial Unicode MS"/>
+            </a:endParaRPr>
+          </a:p>
+          <a:p>
+            <a:pPr marL="0" marR="0" lvl="0" indent="0" algn="l" defTabSz="914400" rtl="0" eaLnBrk="0" fontAlgn="base" latinLnBrk="0" hangingPunct="0">
+              <a:lnSpc>
+                <a:spcPct val="100000"/>
+              </a:lnSpc>
+              <a:spcBef>
+                <a:spcPct val="0"/>
+              </a:spcBef>
+              <a:spcAft>
+                <a:spcPct val="0"/>
+              </a:spcAft>
+              <a:buClrTx/>
+              <a:buSzTx/>
+              <a:buFontTx/>
+              <a:buNone/>
+              <a:tabLst/>
+            </a:pPr>
+            <a:r>
+              <a:rPr kumimoji="0" lang="ko-KR" altLang="ko-KR" sz="1000" b="0" i="0" u="none" strike="noStrike" cap="none" normalizeH="0" baseline="0" dirty="0" err="1">
+                <a:ln>
+                  <a:noFill/>
+                </a:ln>
+                <a:solidFill>
+                  <a:schemeClr val="tx1"/>
+                </a:solidFill>
+                <a:effectLst/>
+                <a:latin typeface="Arial Unicode MS"/>
+              </a:rPr>
+              <a:t>s</a:t>
+            </a:r>
+            <a:r>
+              <a:rPr kumimoji="0" lang="ko-KR" altLang="ko-KR" sz="1000" b="0" i="0" u="none" strike="noStrike" cap="none" normalizeH="0" baseline="0" dirty="0">
+                <a:ln>
+                  <a:noFill/>
+                </a:ln>
+                <a:solidFill>
+                  <a:schemeClr val="tx1"/>
+                </a:solidFill>
+                <a:effectLst/>
+                <a:latin typeface="Arial Unicode MS"/>
+              </a:rPr>
+              <a:t> = </a:t>
+            </a:r>
+            <a:r>
+              <a:rPr kumimoji="0" lang="ko-KR" altLang="ko-KR" sz="1000" b="0" i="0" u="none" strike="noStrike" cap="none" normalizeH="0" baseline="0" dirty="0" err="1">
+                <a:ln>
+                  <a:noFill/>
+                </a:ln>
+                <a:solidFill>
+                  <a:schemeClr val="tx1"/>
+                </a:solidFill>
+                <a:effectLst/>
+                <a:latin typeface="Arial Unicode MS"/>
+              </a:rPr>
+              <a:t>s.upper</a:t>
+            </a:r>
+            <a:r>
+              <a:rPr kumimoji="0" lang="ko-KR" altLang="ko-KR" sz="1000" b="0" i="0" u="none" strike="noStrike" cap="none" normalizeH="0" baseline="0" dirty="0">
+                <a:ln>
+                  <a:noFill/>
+                </a:ln>
+                <a:solidFill>
+                  <a:schemeClr val="tx1"/>
+                </a:solidFill>
+                <a:effectLst/>
+                <a:latin typeface="Arial Unicode MS"/>
+              </a:rPr>
+              <a:t>()</a:t>
+            </a:r>
+            <a:endParaRPr kumimoji="0" lang="ko-KR" altLang="ko-KR" sz="1800" b="0" i="0" u="none" strike="noStrike" cap="none" normalizeH="0" baseline="0" dirty="0">
+              <a:ln>
+                <a:noFill/>
+              </a:ln>
+              <a:solidFill>
+                <a:schemeClr val="tx1"/>
+              </a:solidFill>
+              <a:effectLst/>
+              <a:latin typeface="Arial" panose="020B0604020202020204" pitchFamily="34" charset="0"/>
+            </a:endParaRPr>
           </a:p>
         </p:txBody>
       </p:sp>
@@ -3251,7 +3618,7 @@
 </file>
 
 <file path=ppt/slides/slide3.xml><?xml version="1.0" encoding="utf-8"?>
-<p:sld xmlns:a="http://schemas.openxmlformats.org/drawingml/2006/main" xmlns:p="http://schemas.openxmlformats.org/presentationml/2006/main" xmlns:r="http://schemas.openxmlformats.org/officeDocument/2006/relationships">
+<p:sld xmlns:a="http://schemas.openxmlformats.org/drawingml/2006/main" xmlns:r="http://schemas.openxmlformats.org/officeDocument/2006/relationships" xmlns:p="http://schemas.openxmlformats.org/presentationml/2006/main">
   <p:cSld>
     <p:bg>
       <p:bgPr>
@@ -3267,7 +3634,14 @@
         <p:cNvGrpSpPr/>
         <p:nvPr/>
       </p:nvGrpSpPr>
-      <p:grpSpPr/>
+      <p:grpSpPr>
+        <a:xfrm>
+          <a:off x="0" y="0"/>
+          <a:ext cx="0" cy="0"/>
+          <a:chOff x="0" y="0"/>
+          <a:chExt cx="0" cy="0"/>
+        </a:xfrm>
+      </p:grpSpPr>
       <p:sp>
         <p:nvSpPr>
           <p:cNvPr id="2" name="Title 1"/>
@@ -3351,6 +3725,7 @@
                 <a:latin typeface="Consolas"/>
               </a:defRPr>
             </a:pPr>
+            <a:endParaRPr/>
           </a:p>
           <a:p>
             <a:pPr>
@@ -3376,7 +3751,7 @@
 </file>
 
 <file path=ppt/slides/slide4.xml><?xml version="1.0" encoding="utf-8"?>
-<p:sld xmlns:a="http://schemas.openxmlformats.org/drawingml/2006/main" xmlns:p="http://schemas.openxmlformats.org/presentationml/2006/main" xmlns:r="http://schemas.openxmlformats.org/officeDocument/2006/relationships">
+<p:sld xmlns:a="http://schemas.openxmlformats.org/drawingml/2006/main" xmlns:r="http://schemas.openxmlformats.org/officeDocument/2006/relationships" xmlns:p="http://schemas.openxmlformats.org/presentationml/2006/main">
   <p:cSld>
     <p:bg>
       <p:bgPr>
@@ -3392,7 +3767,14 @@
         <p:cNvGrpSpPr/>
         <p:nvPr/>
       </p:nvGrpSpPr>
-      <p:grpSpPr/>
+      <p:grpSpPr>
+        <a:xfrm>
+          <a:off x="0" y="0"/>
+          <a:ext cx="0" cy="0"/>
+          <a:chOff x="0" y="0"/>
+          <a:chExt cx="0" cy="0"/>
+        </a:xfrm>
+      </p:grpSpPr>
       <p:sp>
         <p:nvSpPr>
           <p:cNvPr id="2" name="Title 1"/>
@@ -3450,6 +3832,7 @@
                 <a:latin typeface="Consolas"/>
               </a:defRPr>
             </a:pPr>
+            <a:endParaRPr/>
           </a:p>
           <a:p>
             <a:pPr>
@@ -3501,7 +3884,7 @@
 </file>
 
 <file path=ppt/slides/slide5.xml><?xml version="1.0" encoding="utf-8"?>
-<p:sld xmlns:a="http://schemas.openxmlformats.org/drawingml/2006/main" xmlns:p="http://schemas.openxmlformats.org/presentationml/2006/main" xmlns:r="http://schemas.openxmlformats.org/officeDocument/2006/relationships">
+<p:sld xmlns:a="http://schemas.openxmlformats.org/drawingml/2006/main" xmlns:r="http://schemas.openxmlformats.org/officeDocument/2006/relationships" xmlns:p="http://schemas.openxmlformats.org/presentationml/2006/main">
   <p:cSld>
     <p:bg>
       <p:bgPr>
@@ -3517,7 +3900,14 @@
         <p:cNvGrpSpPr/>
         <p:nvPr/>
       </p:nvGrpSpPr>
-      <p:grpSpPr/>
+      <p:grpSpPr>
+        <a:xfrm>
+          <a:off x="0" y="0"/>
+          <a:ext cx="0" cy="0"/>
+          <a:chOff x="0" y="0"/>
+          <a:chExt cx="0" cy="0"/>
+        </a:xfrm>
+      </p:grpSpPr>
       <p:sp>
         <p:nvSpPr>
           <p:cNvPr id="2" name="Title 1"/>
@@ -3534,8 +3924,26 @@
           <a:lstStyle/>
           <a:p>
             <a:r>
-              <a:t>문자열 주요 메서드</a:t>
-            </a:r>
+              <a:rPr dirty="0" err="1"/>
+              <a:t>문자열</a:t>
+            </a:r>
+            <a:r>
+              <a:rPr dirty="0"/>
+              <a:t> </a:t>
+            </a:r>
+            <a:r>
+              <a:rPr dirty="0" err="1"/>
+              <a:t>주요</a:t>
+            </a:r>
+            <a:r>
+              <a:rPr dirty="0"/>
+              <a:t> </a:t>
+            </a:r>
+            <a:r>
+              <a:rPr dirty="0" err="1"/>
+              <a:t>메서드</a:t>
+            </a:r>
+            <a:endParaRPr dirty="0"/>
           </a:p>
         </p:txBody>
       </p:sp>
@@ -3551,18 +3959,21 @@
         </p:nvSpPr>
         <p:spPr/>
         <p:txBody>
-          <a:bodyPr/>
-          <a:lstStyle/>
-          <a:p>
-            <a:pPr>
-              <a:defRPr sz="1600">
-                <a:solidFill>
-                  <a:srgbClr val="1E1E1E"/>
-                </a:solidFill>
-                <a:latin typeface="Consolas"/>
-              </a:defRPr>
-            </a:pPr>
-            <a:r>
+          <a:bodyPr>
+            <a:normAutofit fontScale="92500" lnSpcReduction="20000"/>
+          </a:bodyPr>
+          <a:lstStyle/>
+          <a:p>
+            <a:pPr>
+              <a:defRPr sz="1600">
+                <a:solidFill>
+                  <a:srgbClr val="1E1E1E"/>
+                </a:solidFill>
+                <a:latin typeface="Consolas"/>
+              </a:defRPr>
+            </a:pPr>
+            <a:r>
+              <a:rPr dirty="0"/>
               <a:t>s = "Hello World"</a:t>
             </a:r>
           </a:p>
@@ -3575,58 +3986,467 @@
                 <a:latin typeface="Consolas"/>
               </a:defRPr>
             </a:pPr>
-          </a:p>
-          <a:p>
-            <a:pPr>
-              <a:defRPr sz="1600">
-                <a:solidFill>
-                  <a:srgbClr val="1E1E1E"/>
-                </a:solidFill>
-                <a:latin typeface="Consolas"/>
-              </a:defRPr>
-            </a:pPr>
-            <a:r>
+            <a:endParaRPr dirty="0"/>
+          </a:p>
+          <a:p>
+            <a:pPr>
+              <a:defRPr sz="1600">
+                <a:solidFill>
+                  <a:srgbClr val="1E1E1E"/>
+                </a:solidFill>
+                <a:latin typeface="Consolas"/>
+              </a:defRPr>
+            </a:pPr>
+            <a:r>
+              <a:rPr lang="en-US" dirty="0"/>
+              <a:t>1.</a:t>
+            </a:r>
+            <a:r>
+              <a:rPr dirty="0"/>
               <a:t>s.lower()</a:t>
             </a:r>
-          </a:p>
-          <a:p>
-            <a:pPr>
-              <a:defRPr sz="1600">
-                <a:solidFill>
-                  <a:srgbClr val="1E1E1E"/>
-                </a:solidFill>
-                <a:latin typeface="Consolas"/>
-              </a:defRPr>
-            </a:pPr>
-            <a:r>
+            <a:r>
+              <a:rPr lang="ko-KR" altLang="en-US" dirty="0"/>
+              <a:t> 모든 문자를 소문자로 변환</a:t>
+            </a:r>
+            <a:endParaRPr lang="en-US" altLang="ko-KR" dirty="0"/>
+          </a:p>
+          <a:p>
+            <a:pPr>
+              <a:defRPr sz="1600">
+                <a:solidFill>
+                  <a:srgbClr val="1E1E1E"/>
+                </a:solidFill>
+                <a:latin typeface="Consolas"/>
+              </a:defRPr>
+            </a:pPr>
+            <a:br>
+              <a:rPr lang="en-US" dirty="0"/>
+            </a:br>
+            <a:r>
+              <a:rPr lang="en-US" dirty="0"/>
+              <a:t>-s = "Hello World"</a:t>
+            </a:r>
+          </a:p>
+          <a:p>
+            <a:pPr>
+              <a:defRPr sz="1600">
+                <a:solidFill>
+                  <a:srgbClr val="1E1E1E"/>
+                </a:solidFill>
+                <a:latin typeface="Consolas"/>
+              </a:defRPr>
+            </a:pPr>
+            <a:r>
+              <a:rPr lang="en-US" dirty="0"/>
+              <a:t>-print(</a:t>
+            </a:r>
+            <a:r>
+              <a:rPr lang="en-US" dirty="0" err="1"/>
+              <a:t>s.lower</a:t>
+            </a:r>
+            <a:r>
+              <a:rPr lang="en-US" dirty="0"/>
+              <a:t>())</a:t>
+            </a:r>
+          </a:p>
+          <a:p>
+            <a:pPr marL="0" indent="0">
+              <a:buNone/>
+              <a:defRPr sz="1600">
+                <a:solidFill>
+                  <a:srgbClr val="1E1E1E"/>
+                </a:solidFill>
+                <a:latin typeface="Consolas"/>
+              </a:defRPr>
+            </a:pPr>
+            <a:endParaRPr dirty="0"/>
+          </a:p>
+          <a:p>
+            <a:pPr>
+              <a:defRPr sz="1600">
+                <a:solidFill>
+                  <a:srgbClr val="1E1E1E"/>
+                </a:solidFill>
+                <a:latin typeface="Consolas"/>
+              </a:defRPr>
+            </a:pPr>
+            <a:r>
+              <a:rPr lang="en-US" dirty="0"/>
+              <a:t>2.</a:t>
+            </a:r>
+            <a:r>
+              <a:rPr dirty="0"/>
               <a:t>s.upper()</a:t>
             </a:r>
-          </a:p>
-          <a:p>
-            <a:pPr>
-              <a:defRPr sz="1600">
-                <a:solidFill>
-                  <a:srgbClr val="1E1E1E"/>
-                </a:solidFill>
-                <a:latin typeface="Consolas"/>
-              </a:defRPr>
-            </a:pPr>
-            <a:r>
+            <a:r>
+              <a:rPr lang="ko-KR" altLang="en-US" dirty="0"/>
+              <a:t> 모든 문자를 대문자로 변환</a:t>
+            </a:r>
+            <a:endParaRPr lang="en-US" dirty="0"/>
+          </a:p>
+          <a:p>
+            <a:pPr>
+              <a:defRPr sz="1600">
+                <a:solidFill>
+                  <a:srgbClr val="1E1E1E"/>
+                </a:solidFill>
+                <a:latin typeface="Consolas"/>
+              </a:defRPr>
+            </a:pPr>
+            <a:endParaRPr dirty="0"/>
+          </a:p>
+          <a:p>
+            <a:pPr>
+              <a:defRPr sz="1600">
+                <a:solidFill>
+                  <a:srgbClr val="1E1E1E"/>
+                </a:solidFill>
+                <a:latin typeface="Consolas"/>
+              </a:defRPr>
+            </a:pPr>
+            <a:r>
+              <a:rPr lang="en-US" dirty="0"/>
+              <a:t>3.</a:t>
+            </a:r>
+            <a:r>
+              <a:rPr dirty="0"/>
               <a:t>s.replace("World", "Python")</a:t>
             </a:r>
-          </a:p>
-          <a:p>
-            <a:pPr>
-              <a:defRPr sz="1600">
-                <a:solidFill>
-                  <a:srgbClr val="1E1E1E"/>
-                </a:solidFill>
-                <a:latin typeface="Consolas"/>
-              </a:defRPr>
-            </a:pPr>
-            <a:r>
+            <a:r>
+              <a:rPr lang="en-US" dirty="0"/>
+              <a:t> </a:t>
+            </a:r>
+            <a:r>
+              <a:rPr lang="ko-KR" altLang="en-US" dirty="0"/>
+              <a:t>문자열 일부를 다른 문자열로 교체</a:t>
+            </a:r>
+            <a:endParaRPr lang="en-US" altLang="ko-KR" dirty="0"/>
+          </a:p>
+          <a:p>
+            <a:pPr>
+              <a:defRPr sz="1600">
+                <a:solidFill>
+                  <a:srgbClr val="1E1E1E"/>
+                </a:solidFill>
+                <a:latin typeface="Consolas"/>
+              </a:defRPr>
+            </a:pPr>
+            <a:r>
+              <a:rPr lang="en-US" dirty="0"/>
+              <a:t>print(</a:t>
+            </a:r>
+            <a:r>
+              <a:rPr lang="en-US" dirty="0" err="1"/>
+              <a:t>s.replace</a:t>
+            </a:r>
+            <a:r>
+              <a:rPr lang="en-US" dirty="0"/>
+              <a:t>("World", "Python"))</a:t>
+            </a:r>
+          </a:p>
+          <a:p>
+            <a:pPr>
+              <a:defRPr sz="1600">
+                <a:solidFill>
+                  <a:srgbClr val="1E1E1E"/>
+                </a:solidFill>
+                <a:latin typeface="Consolas"/>
+              </a:defRPr>
+            </a:pPr>
+            <a:r>
+              <a:rPr lang="en-US" dirty="0"/>
+              <a:t>World -&gt; python</a:t>
+            </a:r>
+            <a:r>
+              <a:rPr lang="ko-KR" altLang="en-US" dirty="0"/>
+              <a:t>으로 변경</a:t>
+            </a:r>
+            <a:endParaRPr lang="en-US" dirty="0"/>
+          </a:p>
+          <a:p>
+            <a:pPr>
+              <a:defRPr sz="1600">
+                <a:solidFill>
+                  <a:srgbClr val="1E1E1E"/>
+                </a:solidFill>
+                <a:latin typeface="Consolas"/>
+              </a:defRPr>
+            </a:pPr>
+            <a:endParaRPr dirty="0"/>
+          </a:p>
+          <a:p>
+            <a:pPr>
+              <a:defRPr sz="1600">
+                <a:solidFill>
+                  <a:srgbClr val="1E1E1E"/>
+                </a:solidFill>
+                <a:latin typeface="Consolas"/>
+              </a:defRPr>
+            </a:pPr>
+            <a:r>
+              <a:rPr lang="en-US" dirty="0"/>
+              <a:t>4.</a:t>
+            </a:r>
+            <a:r>
+              <a:rPr dirty="0"/>
               <a:t>s.split()</a:t>
             </a:r>
+            <a:r>
+              <a:rPr lang="ko-KR" altLang="en-US" dirty="0"/>
+              <a:t> 문자열을 쪼개서 리스트로 변환</a:t>
+            </a:r>
+            <a:endParaRPr lang="en-US" altLang="ko-KR" dirty="0"/>
+          </a:p>
+          <a:p>
+            <a:pPr>
+              <a:defRPr sz="1600">
+                <a:solidFill>
+                  <a:srgbClr val="1E1E1E"/>
+                </a:solidFill>
+                <a:latin typeface="Consolas"/>
+              </a:defRPr>
+            </a:pPr>
+            <a:endParaRPr lang="en-US" dirty="0"/>
+          </a:p>
+          <a:p>
+            <a:pPr>
+              <a:defRPr sz="1600">
+                <a:solidFill>
+                  <a:srgbClr val="1E1E1E"/>
+                </a:solidFill>
+                <a:latin typeface="Consolas"/>
+              </a:defRPr>
+            </a:pPr>
+            <a:r>
+              <a:rPr lang="en-US" dirty="0"/>
+              <a:t>s = "</a:t>
+            </a:r>
+            <a:r>
+              <a:rPr lang="en-US" dirty="0" err="1"/>
+              <a:t>apple,banana,orange</a:t>
+            </a:r>
+            <a:r>
+              <a:rPr lang="en-US" dirty="0"/>
+              <a:t>"</a:t>
+            </a:r>
+          </a:p>
+          <a:p>
+            <a:pPr>
+              <a:defRPr sz="1600">
+                <a:solidFill>
+                  <a:srgbClr val="1E1E1E"/>
+                </a:solidFill>
+                <a:latin typeface="Consolas"/>
+              </a:defRPr>
+            </a:pPr>
+            <a:r>
+              <a:rPr lang="en-US" dirty="0"/>
+              <a:t>print(</a:t>
+            </a:r>
+            <a:r>
+              <a:rPr lang="en-US" dirty="0" err="1"/>
+              <a:t>s.split</a:t>
+            </a:r>
+            <a:r>
+              <a:rPr lang="en-US" dirty="0"/>
+              <a:t>(","))</a:t>
+            </a:r>
+          </a:p>
+          <a:p>
+            <a:pPr>
+              <a:defRPr sz="1600">
+                <a:solidFill>
+                  <a:srgbClr val="1E1E1E"/>
+                </a:solidFill>
+                <a:latin typeface="Consolas"/>
+              </a:defRPr>
+            </a:pPr>
+            <a:endParaRPr lang="en-US" dirty="0"/>
+          </a:p>
+          <a:p>
+            <a:pPr>
+              <a:defRPr sz="1600">
+                <a:solidFill>
+                  <a:srgbClr val="1E1E1E"/>
+                </a:solidFill>
+                <a:latin typeface="Consolas"/>
+              </a:defRPr>
+            </a:pPr>
+            <a:r>
+              <a:rPr lang="en-US" dirty="0"/>
+              <a:t>['apple', 'banana', 'orange']</a:t>
+            </a:r>
+            <a:endParaRPr dirty="0"/>
+          </a:p>
+        </p:txBody>
+      </p:sp>
+      <p:sp>
+        <p:nvSpPr>
+          <p:cNvPr id="4" name="Rectangle 1">
+            <a:extLst>
+              <a:ext uri="{FF2B5EF4-FFF2-40B4-BE49-F238E27FC236}">
+                <a16:creationId xmlns:a16="http://schemas.microsoft.com/office/drawing/2014/main" id="{C771F1C6-5A62-DD25-1302-96EFF4A52B49}"/>
+              </a:ext>
+            </a:extLst>
+          </p:cNvPr>
+          <p:cNvSpPr>
+            <a:spLocks noChangeArrowheads="1"/>
+          </p:cNvSpPr>
+          <p:nvPr/>
+        </p:nvSpPr>
+        <p:spPr bwMode="auto">
+          <a:xfrm>
+            <a:off x="0" y="105489"/>
+            <a:ext cx="1465466" cy="246221"/>
+          </a:xfrm>
+          <a:prstGeom prst="rect">
+            <a:avLst/>
+          </a:prstGeom>
+          <a:noFill/>
+          <a:ln>
+            <a:noFill/>
+          </a:ln>
+          <a:effectLst/>
+          <a:extLst>
+            <a:ext uri="{909E8E84-426E-40DD-AFC4-6F175D3DCCD1}">
+              <a14:hiddenFill xmlns:a14="http://schemas.microsoft.com/office/drawing/2010/main">
+                <a:solidFill>
+                  <a:schemeClr val="accent1"/>
+                </a:solidFill>
+              </a14:hiddenFill>
+            </a:ext>
+            <a:ext uri="{91240B29-F687-4F45-9708-019B960494DF}">
+              <a14:hiddenLine xmlns:a14="http://schemas.microsoft.com/office/drawing/2010/main" w="9525">
+                <a:solidFill>
+                  <a:schemeClr val="tx1"/>
+                </a:solidFill>
+                <a:miter lim="800000"/>
+                <a:headEnd/>
+                <a:tailEnd/>
+              </a14:hiddenLine>
+            </a:ext>
+            <a:ext uri="{AF507438-7753-43E0-B8FC-AC1667EBCBE1}">
+              <a14:hiddenEffects xmlns:a14="http://schemas.microsoft.com/office/drawing/2010/main">
+                <a:effectLst>
+                  <a:outerShdw dist="35921" dir="2700000" algn="ctr" rotWithShape="0">
+                    <a:schemeClr val="bg2"/>
+                  </a:outerShdw>
+                </a:effectLst>
+              </a14:hiddenEffects>
+            </a:ext>
+          </a:extLst>
+        </p:spPr>
+        <p:txBody>
+          <a:bodyPr vert="horz" wrap="none" lIns="91440" tIns="45720" rIns="91440" bIns="45720" numCol="1" anchor="ctr" anchorCtr="0" compatLnSpc="1">
+            <a:prstTxWarp prst="textNoShape">
+              <a:avLst/>
+            </a:prstTxWarp>
+            <a:spAutoFit/>
+          </a:bodyPr>
+          <a:lstStyle/>
+          <a:p>
+            <a:pPr marL="0" marR="0" lvl="0" indent="0" algn="l" defTabSz="914400" rtl="0" eaLnBrk="0" fontAlgn="base" latinLnBrk="0" hangingPunct="0">
+              <a:lnSpc>
+                <a:spcPct val="100000"/>
+              </a:lnSpc>
+              <a:spcBef>
+                <a:spcPct val="0"/>
+              </a:spcBef>
+              <a:spcAft>
+                <a:spcPct val="0"/>
+              </a:spcAft>
+              <a:buClrTx/>
+              <a:buSzTx/>
+              <a:buFontTx/>
+              <a:buNone/>
+              <a:tabLst/>
+            </a:pPr>
+            <a:r>
+              <a:rPr kumimoji="0" lang="ko-KR" altLang="ko-KR" sz="1000" b="0" i="0" u="none" strike="noStrike" cap="none" normalizeH="0" baseline="0" dirty="0">
+                <a:ln>
+                  <a:noFill/>
+                </a:ln>
+                <a:solidFill>
+                  <a:schemeClr val="tx1"/>
+                </a:solidFill>
+                <a:effectLst/>
+                <a:latin typeface="Arial Unicode MS"/>
+              </a:rPr>
+              <a:t>"World"</a:t>
+            </a:r>
+            <a:r>
+              <a:rPr kumimoji="0" lang="ko-KR" altLang="ko-KR" sz="600" b="0" i="0" u="none" strike="noStrike" cap="none" normalizeH="0" baseline="0" dirty="0">
+                <a:ln>
+                  <a:noFill/>
+                </a:ln>
+                <a:solidFill>
+                  <a:schemeClr val="tx1"/>
+                </a:solidFill>
+                <a:effectLst/>
+              </a:rPr>
+              <a:t> → </a:t>
+            </a:r>
+            <a:r>
+              <a:rPr kumimoji="0" lang="ko-KR" altLang="ko-KR" sz="1000" b="0" i="0" u="none" strike="noStrike" cap="none" normalizeH="0" baseline="0" dirty="0">
+                <a:ln>
+                  <a:noFill/>
+                </a:ln>
+                <a:solidFill>
+                  <a:schemeClr val="tx1"/>
+                </a:solidFill>
+                <a:effectLst/>
+                <a:latin typeface="Arial Unicode MS"/>
+              </a:rPr>
+              <a:t>"</a:t>
+            </a:r>
+            <a:r>
+              <a:rPr kumimoji="0" lang="ko-KR" altLang="ko-KR" sz="1000" b="0" i="0" u="none" strike="noStrike" cap="none" normalizeH="0" baseline="0" dirty="0" err="1">
+                <a:ln>
+                  <a:noFill/>
+                </a:ln>
+                <a:solidFill>
+                  <a:schemeClr val="tx1"/>
+                </a:solidFill>
+                <a:effectLst/>
+                <a:latin typeface="Arial Unicode MS"/>
+              </a:rPr>
+              <a:t>Python"</a:t>
+            </a:r>
+            <a:r>
+              <a:rPr kumimoji="0" lang="ko-KR" altLang="ko-KR" sz="600" b="0" i="0" u="none" strike="noStrike" cap="none" normalizeH="0" baseline="0" dirty="0" err="1">
+                <a:ln>
+                  <a:noFill/>
+                </a:ln>
+                <a:solidFill>
+                  <a:schemeClr val="tx1"/>
+                </a:solidFill>
+                <a:effectLst/>
+              </a:rPr>
+              <a:t>으</a:t>
+            </a:r>
+            <a:r>
+              <a:rPr kumimoji="0" lang="ko-KR" altLang="ko-KR" sz="600" b="0" i="0" u="none" strike="noStrike" cap="none" normalizeH="0" baseline="0" dirty="0">
+                <a:ln>
+                  <a:noFill/>
+                </a:ln>
+                <a:solidFill>
+                  <a:schemeClr val="tx1"/>
+                </a:solidFill>
+                <a:effectLst/>
+              </a:rPr>
+              <a:t> 변경 </a:t>
+            </a:r>
+            <a:endParaRPr kumimoji="0" lang="ko-KR" altLang="ko-KR" sz="1800" b="0" i="0" u="none" strike="noStrike" cap="none" normalizeH="0" baseline="0" dirty="0">
+              <a:ln>
+                <a:noFill/>
+              </a:ln>
+              <a:solidFill>
+                <a:schemeClr val="tx1"/>
+              </a:solidFill>
+              <a:effectLst/>
+              <a:latin typeface="Arial" panose="020B0604020202020204" pitchFamily="34" charset="0"/>
+            </a:endParaRPr>
           </a:p>
         </p:txBody>
       </p:sp>
@@ -3639,7 +4459,7 @@
 </file>
 
 <file path=ppt/slides/slide6.xml><?xml version="1.0" encoding="utf-8"?>
-<p:sld xmlns:a="http://schemas.openxmlformats.org/drawingml/2006/main" xmlns:p="http://schemas.openxmlformats.org/presentationml/2006/main" xmlns:r="http://schemas.openxmlformats.org/officeDocument/2006/relationships">
+<p:sld xmlns:a="http://schemas.openxmlformats.org/drawingml/2006/main" xmlns:r="http://schemas.openxmlformats.org/officeDocument/2006/relationships" xmlns:p="http://schemas.openxmlformats.org/presentationml/2006/main">
   <p:cSld>
     <p:bg>
       <p:bgPr>
@@ -3655,7 +4475,14 @@
         <p:cNvGrpSpPr/>
         <p:nvPr/>
       </p:nvGrpSpPr>
-      <p:grpSpPr/>
+      <p:grpSpPr>
+        <a:xfrm>
+          <a:off x="0" y="0"/>
+          <a:ext cx="0" cy="0"/>
+          <a:chOff x="0" y="0"/>
+          <a:chExt cx="0" cy="0"/>
+        </a:xfrm>
+      </p:grpSpPr>
       <p:sp>
         <p:nvSpPr>
           <p:cNvPr id="2" name="Title 1"/>
@@ -3726,6 +4553,7 @@
                 <a:latin typeface="Consolas"/>
               </a:defRPr>
             </a:pPr>
+            <a:endParaRPr/>
           </a:p>
           <a:p>
             <a:pPr>
@@ -3762,6 +4590,7 @@
                 <a:latin typeface="Consolas"/>
               </a:defRPr>
             </a:pPr>
+            <a:endParaRPr/>
           </a:p>
           <a:p>
             <a:pPr>
@@ -3798,6 +4627,7 @@
                 <a:latin typeface="Consolas"/>
               </a:defRPr>
             </a:pPr>
+            <a:endParaRPr/>
           </a:p>
           <a:p>
             <a:pPr>
@@ -3834,6 +4664,7 @@
                 <a:latin typeface="Consolas"/>
               </a:defRPr>
             </a:pPr>
+            <a:endParaRPr/>
           </a:p>
           <a:p>
             <a:pPr>
@@ -3872,7 +4703,7 @@
 </file>
 
 <file path=ppt/slides/slide7.xml><?xml version="1.0" encoding="utf-8"?>
-<p:sld xmlns:a="http://schemas.openxmlformats.org/drawingml/2006/main" xmlns:p="http://schemas.openxmlformats.org/presentationml/2006/main" xmlns:r="http://schemas.openxmlformats.org/officeDocument/2006/relationships">
+<p:sld xmlns:a="http://schemas.openxmlformats.org/drawingml/2006/main" xmlns:r="http://schemas.openxmlformats.org/officeDocument/2006/relationships" xmlns:p="http://schemas.openxmlformats.org/presentationml/2006/main">
   <p:cSld>
     <p:bg>
       <p:bgPr>
@@ -3888,7 +4719,14 @@
         <p:cNvGrpSpPr/>
         <p:nvPr/>
       </p:nvGrpSpPr>
-      <p:grpSpPr/>
+      <p:grpSpPr>
+        <a:xfrm>
+          <a:off x="0" y="0"/>
+          <a:ext cx="0" cy="0"/>
+          <a:chOff x="0" y="0"/>
+          <a:chExt cx="0" cy="0"/>
+        </a:xfrm>
+      </p:grpSpPr>
       <p:sp>
         <p:nvSpPr>
           <p:cNvPr id="2" name="Title 1"/>
@@ -3959,6 +4797,7 @@
                 <a:latin typeface="Consolas"/>
               </a:defRPr>
             </a:pPr>
+            <a:endParaRPr/>
           </a:p>
           <a:p>
             <a:pPr>
@@ -3995,6 +4834,7 @@
                 <a:latin typeface="Consolas"/>
               </a:defRPr>
             </a:pPr>
+            <a:endParaRPr/>
           </a:p>
           <a:p>
             <a:pPr>
@@ -4031,6 +4871,7 @@
                 <a:latin typeface="Consolas"/>
               </a:defRPr>
             </a:pPr>
+            <a:endParaRPr/>
           </a:p>
           <a:p>
             <a:pPr>
@@ -4067,6 +4908,7 @@
                 <a:latin typeface="Consolas"/>
               </a:defRPr>
             </a:pPr>
+            <a:endParaRPr/>
           </a:p>
           <a:p>
             <a:pPr>
@@ -4105,7 +4947,7 @@
 </file>
 
 <file path=ppt/slides/slide8.xml><?xml version="1.0" encoding="utf-8"?>
-<p:sld xmlns:a="http://schemas.openxmlformats.org/drawingml/2006/main" xmlns:p="http://schemas.openxmlformats.org/presentationml/2006/main" xmlns:r="http://schemas.openxmlformats.org/officeDocument/2006/relationships">
+<p:sld xmlns:a="http://schemas.openxmlformats.org/drawingml/2006/main" xmlns:r="http://schemas.openxmlformats.org/officeDocument/2006/relationships" xmlns:p="http://schemas.openxmlformats.org/presentationml/2006/main">
   <p:cSld>
     <p:bg>
       <p:bgPr>
@@ -4121,7 +4963,14 @@
         <p:cNvGrpSpPr/>
         <p:nvPr/>
       </p:nvGrpSpPr>
-      <p:grpSpPr/>
+      <p:grpSpPr>
+        <a:xfrm>
+          <a:off x="0" y="0"/>
+          <a:ext cx="0" cy="0"/>
+          <a:chOff x="0" y="0"/>
+          <a:chExt cx="0" cy="0"/>
+        </a:xfrm>
+      </p:grpSpPr>
       <p:sp>
         <p:nvSpPr>
           <p:cNvPr id="2" name="Title 1"/>
@@ -4204,7 +5053,7 @@
 </file>
 
 <file path=ppt/slides/slide9.xml><?xml version="1.0" encoding="utf-8"?>
-<p:sld xmlns:a="http://schemas.openxmlformats.org/drawingml/2006/main" xmlns:p="http://schemas.openxmlformats.org/presentationml/2006/main" xmlns:r="http://schemas.openxmlformats.org/officeDocument/2006/relationships">
+<p:sld xmlns:a="http://schemas.openxmlformats.org/drawingml/2006/main" xmlns:r="http://schemas.openxmlformats.org/officeDocument/2006/relationships" xmlns:p="http://schemas.openxmlformats.org/presentationml/2006/main">
   <p:cSld>
     <p:bg>
       <p:bgPr>
@@ -4220,7 +5069,14 @@
         <p:cNvGrpSpPr/>
         <p:nvPr/>
       </p:nvGrpSpPr>
-      <p:grpSpPr/>
+      <p:grpSpPr>
+        <a:xfrm>
+          <a:off x="0" y="0"/>
+          <a:ext cx="0" cy="0"/>
+          <a:chOff x="0" y="0"/>
+          <a:chExt cx="0" cy="0"/>
+        </a:xfrm>
+      </p:grpSpPr>
       <p:sp>
         <p:nvSpPr>
           <p:cNvPr id="2" name="Title 1"/>
